--- a/ppt 16-9/0548.回家.pptx
+++ b/ppt 16-9/0548.回家.pptx
@@ -5,7 +5,7 @@
     <p:sldMasterId id="2147483648" r:id="rId1"/>
   </p:sldMasterIdLst>
   <p:sldIdLst>
-    <p:sldId id="2297" r:id="rId2"/>
+    <p:sldId id="2299" r:id="rId2"/>
   </p:sldIdLst>
   <p:sldSz cx="12192000" cy="6858000"/>
   <p:notesSz cx="6858000" cy="9144000"/>
@@ -129,7 +129,7 @@
           <p:cNvPr id="2" name="标题 1">
             <a:extLst>
               <a:ext uri="{FF2B5EF4-FFF2-40B4-BE49-F238E27FC236}">
-                <a16:creationId xmlns:a16="http://schemas.microsoft.com/office/drawing/2014/main" id="{4E5B7842-31FF-1930-40DE-17586F9DC3F0}"/>
+                <a16:creationId xmlns:a16="http://schemas.microsoft.com/office/drawing/2014/main" id="{8013E612-FD91-65BA-8A64-AE27CADC8965}"/>
               </a:ext>
             </a:extLst>
           </p:cNvPr>
@@ -166,7 +166,7 @@
           <p:cNvPr id="3" name="副标题 2">
             <a:extLst>
               <a:ext uri="{FF2B5EF4-FFF2-40B4-BE49-F238E27FC236}">
-                <a16:creationId xmlns:a16="http://schemas.microsoft.com/office/drawing/2014/main" id="{CBC1D08F-C1D9-0A67-2A34-8CA0F8258F62}"/>
+                <a16:creationId xmlns:a16="http://schemas.microsoft.com/office/drawing/2014/main" id="{6F1A1D4C-199D-FEBB-D818-FECBBCB7CEE5}"/>
               </a:ext>
             </a:extLst>
           </p:cNvPr>
@@ -236,7 +236,7 @@
           <p:cNvPr id="4" name="日期占位符 3">
             <a:extLst>
               <a:ext uri="{FF2B5EF4-FFF2-40B4-BE49-F238E27FC236}">
-                <a16:creationId xmlns:a16="http://schemas.microsoft.com/office/drawing/2014/main" id="{54834C95-EA6B-9B92-B78E-342C0FF06C02}"/>
+                <a16:creationId xmlns:a16="http://schemas.microsoft.com/office/drawing/2014/main" id="{A19B8E13-5330-04AF-DC35-C6CCBA8AD47D}"/>
               </a:ext>
             </a:extLst>
           </p:cNvPr>
@@ -252,7 +252,7 @@
           <a:bodyPr/>
           <a:lstStyle/>
           <a:p>
-            <a:fld id="{489C147E-A867-4FE4-B7F5-DC48E076A316}" type="datetimeFigureOut">
+            <a:fld id="{A9CB15A1-0D83-4D5F-87CB-23C04E76FAC6}" type="datetimeFigureOut">
               <a:rPr lang="zh-CN" altLang="en-US" smtClean="0"/>
               <a:t>2024/3/10</a:t>
             </a:fld>
@@ -265,7 +265,7 @@
           <p:cNvPr id="5" name="页脚占位符 4">
             <a:extLst>
               <a:ext uri="{FF2B5EF4-FFF2-40B4-BE49-F238E27FC236}">
-                <a16:creationId xmlns:a16="http://schemas.microsoft.com/office/drawing/2014/main" id="{5A99BFFB-AD5C-513D-3AD1-3DBAAB148968}"/>
+                <a16:creationId xmlns:a16="http://schemas.microsoft.com/office/drawing/2014/main" id="{197442AD-62E7-87AD-4228-E7AC0A1113BE}"/>
               </a:ext>
             </a:extLst>
           </p:cNvPr>
@@ -290,7 +290,7 @@
           <p:cNvPr id="6" name="灯片编号占位符 5">
             <a:extLst>
               <a:ext uri="{FF2B5EF4-FFF2-40B4-BE49-F238E27FC236}">
-                <a16:creationId xmlns:a16="http://schemas.microsoft.com/office/drawing/2014/main" id="{A63F99C3-2D34-A08A-14BD-BFEF3C69C091}"/>
+                <a16:creationId xmlns:a16="http://schemas.microsoft.com/office/drawing/2014/main" id="{80DDA08B-CE3F-AB6E-BF81-8781868A0118}"/>
               </a:ext>
             </a:extLst>
           </p:cNvPr>
@@ -306,7 +306,7 @@
           <a:bodyPr/>
           <a:lstStyle/>
           <a:p>
-            <a:fld id="{37C613F8-56E1-4E33-B3F0-9768A9DDA605}" type="slidenum">
+            <a:fld id="{C53BD6E5-FF8C-4DCE-BB2F-9F8F8F5B563B}" type="slidenum">
               <a:rPr lang="zh-CN" altLang="en-US" smtClean="0"/>
               <a:t>‹#›</a:t>
             </a:fld>
@@ -317,7 +317,7 @@
     </p:spTree>
     <p:extLst>
       <p:ext uri="{BB962C8B-B14F-4D97-AF65-F5344CB8AC3E}">
-        <p14:creationId xmlns:p14="http://schemas.microsoft.com/office/powerpoint/2010/main" val="4040771340"/>
+        <p14:creationId xmlns:p14="http://schemas.microsoft.com/office/powerpoint/2010/main" val="2210457659"/>
       </p:ext>
     </p:extLst>
   </p:cSld>
@@ -349,7 +349,7 @@
           <p:cNvPr id="2" name="标题 1">
             <a:extLst>
               <a:ext uri="{FF2B5EF4-FFF2-40B4-BE49-F238E27FC236}">
-                <a16:creationId xmlns:a16="http://schemas.microsoft.com/office/drawing/2014/main" id="{E42E56C1-7DF6-2626-4657-679DF7B3A313}"/>
+                <a16:creationId xmlns:a16="http://schemas.microsoft.com/office/drawing/2014/main" id="{81BEBDE0-53FC-D683-55BD-3D915CC87BC2}"/>
               </a:ext>
             </a:extLst>
           </p:cNvPr>
@@ -377,7 +377,7 @@
           <p:cNvPr id="3" name="竖排文字占位符 2">
             <a:extLst>
               <a:ext uri="{FF2B5EF4-FFF2-40B4-BE49-F238E27FC236}">
-                <a16:creationId xmlns:a16="http://schemas.microsoft.com/office/drawing/2014/main" id="{88FF161F-A552-D260-8D82-7880BF65ADBD}"/>
+                <a16:creationId xmlns:a16="http://schemas.microsoft.com/office/drawing/2014/main" id="{52AC6A94-54A2-5A80-0DA6-6A95A8A12FBA}"/>
               </a:ext>
             </a:extLst>
           </p:cNvPr>
@@ -434,7 +434,7 @@
           <p:cNvPr id="4" name="日期占位符 3">
             <a:extLst>
               <a:ext uri="{FF2B5EF4-FFF2-40B4-BE49-F238E27FC236}">
-                <a16:creationId xmlns:a16="http://schemas.microsoft.com/office/drawing/2014/main" id="{483CFF16-92B2-924E-F8CA-7EE052BD85CD}"/>
+                <a16:creationId xmlns:a16="http://schemas.microsoft.com/office/drawing/2014/main" id="{551FF87D-E453-9FC7-9C71-423B41C9B131}"/>
               </a:ext>
             </a:extLst>
           </p:cNvPr>
@@ -450,7 +450,7 @@
           <a:bodyPr/>
           <a:lstStyle/>
           <a:p>
-            <a:fld id="{489C147E-A867-4FE4-B7F5-DC48E076A316}" type="datetimeFigureOut">
+            <a:fld id="{A9CB15A1-0D83-4D5F-87CB-23C04E76FAC6}" type="datetimeFigureOut">
               <a:rPr lang="zh-CN" altLang="en-US" smtClean="0"/>
               <a:t>2024/3/10</a:t>
             </a:fld>
@@ -463,7 +463,7 @@
           <p:cNvPr id="5" name="页脚占位符 4">
             <a:extLst>
               <a:ext uri="{FF2B5EF4-FFF2-40B4-BE49-F238E27FC236}">
-                <a16:creationId xmlns:a16="http://schemas.microsoft.com/office/drawing/2014/main" id="{45FC1795-C92C-CC00-3347-FAD4D7D2A4F1}"/>
+                <a16:creationId xmlns:a16="http://schemas.microsoft.com/office/drawing/2014/main" id="{51EC213F-62FE-4771-0A73-B335910082CF}"/>
               </a:ext>
             </a:extLst>
           </p:cNvPr>
@@ -488,7 +488,7 @@
           <p:cNvPr id="6" name="灯片编号占位符 5">
             <a:extLst>
               <a:ext uri="{FF2B5EF4-FFF2-40B4-BE49-F238E27FC236}">
-                <a16:creationId xmlns:a16="http://schemas.microsoft.com/office/drawing/2014/main" id="{DF8013C9-FB30-424B-E7A3-AAE786C7F9B8}"/>
+                <a16:creationId xmlns:a16="http://schemas.microsoft.com/office/drawing/2014/main" id="{4A7726EF-2444-72D6-D0D6-4FE3A6998107}"/>
               </a:ext>
             </a:extLst>
           </p:cNvPr>
@@ -504,7 +504,7 @@
           <a:bodyPr/>
           <a:lstStyle/>
           <a:p>
-            <a:fld id="{37C613F8-56E1-4E33-B3F0-9768A9DDA605}" type="slidenum">
+            <a:fld id="{C53BD6E5-FF8C-4DCE-BB2F-9F8F8F5B563B}" type="slidenum">
               <a:rPr lang="zh-CN" altLang="en-US" smtClean="0"/>
               <a:t>‹#›</a:t>
             </a:fld>
@@ -515,7 +515,7 @@
     </p:spTree>
     <p:extLst>
       <p:ext uri="{BB962C8B-B14F-4D97-AF65-F5344CB8AC3E}">
-        <p14:creationId xmlns:p14="http://schemas.microsoft.com/office/powerpoint/2010/main" val="2450086478"/>
+        <p14:creationId xmlns:p14="http://schemas.microsoft.com/office/powerpoint/2010/main" val="403310826"/>
       </p:ext>
     </p:extLst>
   </p:cSld>
@@ -547,7 +547,7 @@
           <p:cNvPr id="2" name="竖排标题 1">
             <a:extLst>
               <a:ext uri="{FF2B5EF4-FFF2-40B4-BE49-F238E27FC236}">
-                <a16:creationId xmlns:a16="http://schemas.microsoft.com/office/drawing/2014/main" id="{BA4E1901-63D9-6515-84BA-680BFB246E6B}"/>
+                <a16:creationId xmlns:a16="http://schemas.microsoft.com/office/drawing/2014/main" id="{8DA9C8CC-79D0-05B5-05DF-A0D40F1817E7}"/>
               </a:ext>
             </a:extLst>
           </p:cNvPr>
@@ -580,7 +580,7 @@
           <p:cNvPr id="3" name="竖排文字占位符 2">
             <a:extLst>
               <a:ext uri="{FF2B5EF4-FFF2-40B4-BE49-F238E27FC236}">
-                <a16:creationId xmlns:a16="http://schemas.microsoft.com/office/drawing/2014/main" id="{F36908C4-E77B-8455-15DE-723B6B884AAD}"/>
+                <a16:creationId xmlns:a16="http://schemas.microsoft.com/office/drawing/2014/main" id="{4646970D-14D7-2042-3E44-67AFD127CB5E}"/>
               </a:ext>
             </a:extLst>
           </p:cNvPr>
@@ -642,7 +642,7 @@
           <p:cNvPr id="4" name="日期占位符 3">
             <a:extLst>
               <a:ext uri="{FF2B5EF4-FFF2-40B4-BE49-F238E27FC236}">
-                <a16:creationId xmlns:a16="http://schemas.microsoft.com/office/drawing/2014/main" id="{6B4C0C41-A450-E6E3-6F96-6FA454CF813A}"/>
+                <a16:creationId xmlns:a16="http://schemas.microsoft.com/office/drawing/2014/main" id="{137A1229-5FDD-F4EC-2DFA-F1613D564DE8}"/>
               </a:ext>
             </a:extLst>
           </p:cNvPr>
@@ -658,7 +658,7 @@
           <a:bodyPr/>
           <a:lstStyle/>
           <a:p>
-            <a:fld id="{489C147E-A867-4FE4-B7F5-DC48E076A316}" type="datetimeFigureOut">
+            <a:fld id="{A9CB15A1-0D83-4D5F-87CB-23C04E76FAC6}" type="datetimeFigureOut">
               <a:rPr lang="zh-CN" altLang="en-US" smtClean="0"/>
               <a:t>2024/3/10</a:t>
             </a:fld>
@@ -671,7 +671,7 @@
           <p:cNvPr id="5" name="页脚占位符 4">
             <a:extLst>
               <a:ext uri="{FF2B5EF4-FFF2-40B4-BE49-F238E27FC236}">
-                <a16:creationId xmlns:a16="http://schemas.microsoft.com/office/drawing/2014/main" id="{BE6BB016-3D6B-0CA0-EE0A-3D3328548B13}"/>
+                <a16:creationId xmlns:a16="http://schemas.microsoft.com/office/drawing/2014/main" id="{6CE9D201-8420-4F68-08A3-FC3B0A36A3E1}"/>
               </a:ext>
             </a:extLst>
           </p:cNvPr>
@@ -696,7 +696,7 @@
           <p:cNvPr id="6" name="灯片编号占位符 5">
             <a:extLst>
               <a:ext uri="{FF2B5EF4-FFF2-40B4-BE49-F238E27FC236}">
-                <a16:creationId xmlns:a16="http://schemas.microsoft.com/office/drawing/2014/main" id="{45CEDCDB-C799-B849-B35C-9B334150E7FD}"/>
+                <a16:creationId xmlns:a16="http://schemas.microsoft.com/office/drawing/2014/main" id="{030ABCC1-C479-96F6-354C-69873F3CAFC9}"/>
               </a:ext>
             </a:extLst>
           </p:cNvPr>
@@ -712,7 +712,7 @@
           <a:bodyPr/>
           <a:lstStyle/>
           <a:p>
-            <a:fld id="{37C613F8-56E1-4E33-B3F0-9768A9DDA605}" type="slidenum">
+            <a:fld id="{C53BD6E5-FF8C-4DCE-BB2F-9F8F8F5B563B}" type="slidenum">
               <a:rPr lang="zh-CN" altLang="en-US" smtClean="0"/>
               <a:t>‹#›</a:t>
             </a:fld>
@@ -723,7 +723,7 @@
     </p:spTree>
     <p:extLst>
       <p:ext uri="{BB962C8B-B14F-4D97-AF65-F5344CB8AC3E}">
-        <p14:creationId xmlns:p14="http://schemas.microsoft.com/office/powerpoint/2010/main" val="2967952783"/>
+        <p14:creationId xmlns:p14="http://schemas.microsoft.com/office/powerpoint/2010/main" val="2306983514"/>
       </p:ext>
     </p:extLst>
   </p:cSld>
@@ -755,7 +755,7 @@
           <p:cNvPr id="2" name="标题 1">
             <a:extLst>
               <a:ext uri="{FF2B5EF4-FFF2-40B4-BE49-F238E27FC236}">
-                <a16:creationId xmlns:a16="http://schemas.microsoft.com/office/drawing/2014/main" id="{FE11F1C4-021A-47F6-CB91-2742D3D4CDE6}"/>
+                <a16:creationId xmlns:a16="http://schemas.microsoft.com/office/drawing/2014/main" id="{4487D663-618D-F0E5-AD7C-33DFC388811D}"/>
               </a:ext>
             </a:extLst>
           </p:cNvPr>
@@ -783,7 +783,7 @@
           <p:cNvPr id="3" name="内容占位符 2">
             <a:extLst>
               <a:ext uri="{FF2B5EF4-FFF2-40B4-BE49-F238E27FC236}">
-                <a16:creationId xmlns:a16="http://schemas.microsoft.com/office/drawing/2014/main" id="{6FC8FEA1-D1B2-5C50-9507-29F9CE3D46C9}"/>
+                <a16:creationId xmlns:a16="http://schemas.microsoft.com/office/drawing/2014/main" id="{03F3D900-691D-7023-2950-C68758CBE01F}"/>
               </a:ext>
             </a:extLst>
           </p:cNvPr>
@@ -840,7 +840,7 @@
           <p:cNvPr id="4" name="日期占位符 3">
             <a:extLst>
               <a:ext uri="{FF2B5EF4-FFF2-40B4-BE49-F238E27FC236}">
-                <a16:creationId xmlns:a16="http://schemas.microsoft.com/office/drawing/2014/main" id="{2615C160-3666-AD04-9C05-23D023364813}"/>
+                <a16:creationId xmlns:a16="http://schemas.microsoft.com/office/drawing/2014/main" id="{CF38AEE4-BE9A-5F09-F988-970359230002}"/>
               </a:ext>
             </a:extLst>
           </p:cNvPr>
@@ -856,7 +856,7 @@
           <a:bodyPr/>
           <a:lstStyle/>
           <a:p>
-            <a:fld id="{489C147E-A867-4FE4-B7F5-DC48E076A316}" type="datetimeFigureOut">
+            <a:fld id="{A9CB15A1-0D83-4D5F-87CB-23C04E76FAC6}" type="datetimeFigureOut">
               <a:rPr lang="zh-CN" altLang="en-US" smtClean="0"/>
               <a:t>2024/3/10</a:t>
             </a:fld>
@@ -869,7 +869,7 @@
           <p:cNvPr id="5" name="页脚占位符 4">
             <a:extLst>
               <a:ext uri="{FF2B5EF4-FFF2-40B4-BE49-F238E27FC236}">
-                <a16:creationId xmlns:a16="http://schemas.microsoft.com/office/drawing/2014/main" id="{D7054160-0944-228D-EA88-22574AC6CBA7}"/>
+                <a16:creationId xmlns:a16="http://schemas.microsoft.com/office/drawing/2014/main" id="{61820F61-9F20-144C-37A4-8E416788581C}"/>
               </a:ext>
             </a:extLst>
           </p:cNvPr>
@@ -894,7 +894,7 @@
           <p:cNvPr id="6" name="灯片编号占位符 5">
             <a:extLst>
               <a:ext uri="{FF2B5EF4-FFF2-40B4-BE49-F238E27FC236}">
-                <a16:creationId xmlns:a16="http://schemas.microsoft.com/office/drawing/2014/main" id="{B45E0E49-F6CC-4E9F-DADD-7A2235114C85}"/>
+                <a16:creationId xmlns:a16="http://schemas.microsoft.com/office/drawing/2014/main" id="{789B3830-E6EF-178A-38AA-D78B42F26E43}"/>
               </a:ext>
             </a:extLst>
           </p:cNvPr>
@@ -910,7 +910,7 @@
           <a:bodyPr/>
           <a:lstStyle/>
           <a:p>
-            <a:fld id="{37C613F8-56E1-4E33-B3F0-9768A9DDA605}" type="slidenum">
+            <a:fld id="{C53BD6E5-FF8C-4DCE-BB2F-9F8F8F5B563B}" type="slidenum">
               <a:rPr lang="zh-CN" altLang="en-US" smtClean="0"/>
               <a:t>‹#›</a:t>
             </a:fld>
@@ -921,7 +921,7 @@
     </p:spTree>
     <p:extLst>
       <p:ext uri="{BB962C8B-B14F-4D97-AF65-F5344CB8AC3E}">
-        <p14:creationId xmlns:p14="http://schemas.microsoft.com/office/powerpoint/2010/main" val="4288401875"/>
+        <p14:creationId xmlns:p14="http://schemas.microsoft.com/office/powerpoint/2010/main" val="1482758000"/>
       </p:ext>
     </p:extLst>
   </p:cSld>
@@ -953,7 +953,7 @@
           <p:cNvPr id="2" name="标题 1">
             <a:extLst>
               <a:ext uri="{FF2B5EF4-FFF2-40B4-BE49-F238E27FC236}">
-                <a16:creationId xmlns:a16="http://schemas.microsoft.com/office/drawing/2014/main" id="{EB40743D-DA39-3A23-A802-BF7529653477}"/>
+                <a16:creationId xmlns:a16="http://schemas.microsoft.com/office/drawing/2014/main" id="{E1215641-4F27-0617-7834-450DB7798F2E}"/>
               </a:ext>
             </a:extLst>
           </p:cNvPr>
@@ -990,7 +990,7 @@
           <p:cNvPr id="3" name="文本占位符 2">
             <a:extLst>
               <a:ext uri="{FF2B5EF4-FFF2-40B4-BE49-F238E27FC236}">
-                <a16:creationId xmlns:a16="http://schemas.microsoft.com/office/drawing/2014/main" id="{8CCFE8CB-3490-D212-9472-01E4ED626E2B}"/>
+                <a16:creationId xmlns:a16="http://schemas.microsoft.com/office/drawing/2014/main" id="{947EE256-8CA0-D2F9-F0D0-2A68903ED11D}"/>
               </a:ext>
             </a:extLst>
           </p:cNvPr>
@@ -1115,7 +1115,7 @@
           <p:cNvPr id="4" name="日期占位符 3">
             <a:extLst>
               <a:ext uri="{FF2B5EF4-FFF2-40B4-BE49-F238E27FC236}">
-                <a16:creationId xmlns:a16="http://schemas.microsoft.com/office/drawing/2014/main" id="{3DD70BB7-7AB5-3901-6561-1AC3DD30D302}"/>
+                <a16:creationId xmlns:a16="http://schemas.microsoft.com/office/drawing/2014/main" id="{B4804F67-770F-4B24-E091-97AD896B7030}"/>
               </a:ext>
             </a:extLst>
           </p:cNvPr>
@@ -1131,7 +1131,7 @@
           <a:bodyPr/>
           <a:lstStyle/>
           <a:p>
-            <a:fld id="{489C147E-A867-4FE4-B7F5-DC48E076A316}" type="datetimeFigureOut">
+            <a:fld id="{A9CB15A1-0D83-4D5F-87CB-23C04E76FAC6}" type="datetimeFigureOut">
               <a:rPr lang="zh-CN" altLang="en-US" smtClean="0"/>
               <a:t>2024/3/10</a:t>
             </a:fld>
@@ -1144,7 +1144,7 @@
           <p:cNvPr id="5" name="页脚占位符 4">
             <a:extLst>
               <a:ext uri="{FF2B5EF4-FFF2-40B4-BE49-F238E27FC236}">
-                <a16:creationId xmlns:a16="http://schemas.microsoft.com/office/drawing/2014/main" id="{5BCDD8D9-2063-D18B-182E-C99F382F8CC0}"/>
+                <a16:creationId xmlns:a16="http://schemas.microsoft.com/office/drawing/2014/main" id="{196F3692-C807-341D-FE93-09C7E9ADB467}"/>
               </a:ext>
             </a:extLst>
           </p:cNvPr>
@@ -1169,7 +1169,7 @@
           <p:cNvPr id="6" name="灯片编号占位符 5">
             <a:extLst>
               <a:ext uri="{FF2B5EF4-FFF2-40B4-BE49-F238E27FC236}">
-                <a16:creationId xmlns:a16="http://schemas.microsoft.com/office/drawing/2014/main" id="{A5764300-7050-4EE6-9B69-E68AF8200E70}"/>
+                <a16:creationId xmlns:a16="http://schemas.microsoft.com/office/drawing/2014/main" id="{13EEDEA4-1C34-C887-BEAE-955652FF2281}"/>
               </a:ext>
             </a:extLst>
           </p:cNvPr>
@@ -1185,7 +1185,7 @@
           <a:bodyPr/>
           <a:lstStyle/>
           <a:p>
-            <a:fld id="{37C613F8-56E1-4E33-B3F0-9768A9DDA605}" type="slidenum">
+            <a:fld id="{C53BD6E5-FF8C-4DCE-BB2F-9F8F8F5B563B}" type="slidenum">
               <a:rPr lang="zh-CN" altLang="en-US" smtClean="0"/>
               <a:t>‹#›</a:t>
             </a:fld>
@@ -1196,7 +1196,7 @@
     </p:spTree>
     <p:extLst>
       <p:ext uri="{BB962C8B-B14F-4D97-AF65-F5344CB8AC3E}">
-        <p14:creationId xmlns:p14="http://schemas.microsoft.com/office/powerpoint/2010/main" val="2609795445"/>
+        <p14:creationId xmlns:p14="http://schemas.microsoft.com/office/powerpoint/2010/main" val="3714962108"/>
       </p:ext>
     </p:extLst>
   </p:cSld>
@@ -1228,7 +1228,7 @@
           <p:cNvPr id="2" name="标题 1">
             <a:extLst>
               <a:ext uri="{FF2B5EF4-FFF2-40B4-BE49-F238E27FC236}">
-                <a16:creationId xmlns:a16="http://schemas.microsoft.com/office/drawing/2014/main" id="{6B5DA2AE-B802-B4CA-0635-06F6642B93E5}"/>
+                <a16:creationId xmlns:a16="http://schemas.microsoft.com/office/drawing/2014/main" id="{F3914351-524D-2084-0D7F-DABF47F681CA}"/>
               </a:ext>
             </a:extLst>
           </p:cNvPr>
@@ -1256,7 +1256,7 @@
           <p:cNvPr id="3" name="内容占位符 2">
             <a:extLst>
               <a:ext uri="{FF2B5EF4-FFF2-40B4-BE49-F238E27FC236}">
-                <a16:creationId xmlns:a16="http://schemas.microsoft.com/office/drawing/2014/main" id="{1C023C9A-75C4-4D4E-81BE-B107F890C36B}"/>
+                <a16:creationId xmlns:a16="http://schemas.microsoft.com/office/drawing/2014/main" id="{8CDCF198-CA2C-C4A0-E652-44BC1D36EBB5}"/>
               </a:ext>
             </a:extLst>
           </p:cNvPr>
@@ -1318,7 +1318,7 @@
           <p:cNvPr id="4" name="内容占位符 3">
             <a:extLst>
               <a:ext uri="{FF2B5EF4-FFF2-40B4-BE49-F238E27FC236}">
-                <a16:creationId xmlns:a16="http://schemas.microsoft.com/office/drawing/2014/main" id="{DDF44ACA-37CF-2E8F-54D0-88E72001EB3C}"/>
+                <a16:creationId xmlns:a16="http://schemas.microsoft.com/office/drawing/2014/main" id="{73E8476B-9C0D-81BA-915F-44FC1FD8A621}"/>
               </a:ext>
             </a:extLst>
           </p:cNvPr>
@@ -1380,7 +1380,7 @@
           <p:cNvPr id="5" name="日期占位符 4">
             <a:extLst>
               <a:ext uri="{FF2B5EF4-FFF2-40B4-BE49-F238E27FC236}">
-                <a16:creationId xmlns:a16="http://schemas.microsoft.com/office/drawing/2014/main" id="{B984108F-7866-AC11-CAE3-49C2741710D9}"/>
+                <a16:creationId xmlns:a16="http://schemas.microsoft.com/office/drawing/2014/main" id="{1BE85679-03D9-1027-DC09-06ADC7878273}"/>
               </a:ext>
             </a:extLst>
           </p:cNvPr>
@@ -1396,7 +1396,7 @@
           <a:bodyPr/>
           <a:lstStyle/>
           <a:p>
-            <a:fld id="{489C147E-A867-4FE4-B7F5-DC48E076A316}" type="datetimeFigureOut">
+            <a:fld id="{A9CB15A1-0D83-4D5F-87CB-23C04E76FAC6}" type="datetimeFigureOut">
               <a:rPr lang="zh-CN" altLang="en-US" smtClean="0"/>
               <a:t>2024/3/10</a:t>
             </a:fld>
@@ -1409,7 +1409,7 @@
           <p:cNvPr id="6" name="页脚占位符 5">
             <a:extLst>
               <a:ext uri="{FF2B5EF4-FFF2-40B4-BE49-F238E27FC236}">
-                <a16:creationId xmlns:a16="http://schemas.microsoft.com/office/drawing/2014/main" id="{AC7F1B2A-98E1-E95B-F58D-705F55B5B60E}"/>
+                <a16:creationId xmlns:a16="http://schemas.microsoft.com/office/drawing/2014/main" id="{E9A666E4-DE0D-A0D5-B201-7B1C371BAAA7}"/>
               </a:ext>
             </a:extLst>
           </p:cNvPr>
@@ -1434,7 +1434,7 @@
           <p:cNvPr id="7" name="灯片编号占位符 6">
             <a:extLst>
               <a:ext uri="{FF2B5EF4-FFF2-40B4-BE49-F238E27FC236}">
-                <a16:creationId xmlns:a16="http://schemas.microsoft.com/office/drawing/2014/main" id="{DEDC94D3-4B5F-FAD9-A7C6-EB92F9EE6C43}"/>
+                <a16:creationId xmlns:a16="http://schemas.microsoft.com/office/drawing/2014/main" id="{E076F624-DB0E-97C0-03F0-1416C3492E71}"/>
               </a:ext>
             </a:extLst>
           </p:cNvPr>
@@ -1450,7 +1450,7 @@
           <a:bodyPr/>
           <a:lstStyle/>
           <a:p>
-            <a:fld id="{37C613F8-56E1-4E33-B3F0-9768A9DDA605}" type="slidenum">
+            <a:fld id="{C53BD6E5-FF8C-4DCE-BB2F-9F8F8F5B563B}" type="slidenum">
               <a:rPr lang="zh-CN" altLang="en-US" smtClean="0"/>
               <a:t>‹#›</a:t>
             </a:fld>
@@ -1461,7 +1461,7 @@
     </p:spTree>
     <p:extLst>
       <p:ext uri="{BB962C8B-B14F-4D97-AF65-F5344CB8AC3E}">
-        <p14:creationId xmlns:p14="http://schemas.microsoft.com/office/powerpoint/2010/main" val="3971302137"/>
+        <p14:creationId xmlns:p14="http://schemas.microsoft.com/office/powerpoint/2010/main" val="1936340900"/>
       </p:ext>
     </p:extLst>
   </p:cSld>
@@ -1493,7 +1493,7 @@
           <p:cNvPr id="2" name="标题 1">
             <a:extLst>
               <a:ext uri="{FF2B5EF4-FFF2-40B4-BE49-F238E27FC236}">
-                <a16:creationId xmlns:a16="http://schemas.microsoft.com/office/drawing/2014/main" id="{BA579EBA-1059-A2F9-F836-40FC416A964C}"/>
+                <a16:creationId xmlns:a16="http://schemas.microsoft.com/office/drawing/2014/main" id="{C26AB970-A4C0-6908-7643-185DF93CD1A8}"/>
               </a:ext>
             </a:extLst>
           </p:cNvPr>
@@ -1526,7 +1526,7 @@
           <p:cNvPr id="3" name="文本占位符 2">
             <a:extLst>
               <a:ext uri="{FF2B5EF4-FFF2-40B4-BE49-F238E27FC236}">
-                <a16:creationId xmlns:a16="http://schemas.microsoft.com/office/drawing/2014/main" id="{64CA2789-5F81-F5D5-9253-38E39767C7F9}"/>
+                <a16:creationId xmlns:a16="http://schemas.microsoft.com/office/drawing/2014/main" id="{29DEA638-E7D4-4BBD-98FA-0280F2D67AB4}"/>
               </a:ext>
             </a:extLst>
           </p:cNvPr>
@@ -1597,7 +1597,7 @@
           <p:cNvPr id="4" name="内容占位符 3">
             <a:extLst>
               <a:ext uri="{FF2B5EF4-FFF2-40B4-BE49-F238E27FC236}">
-                <a16:creationId xmlns:a16="http://schemas.microsoft.com/office/drawing/2014/main" id="{8512E430-8D8A-D6C9-B836-3E10DC703CE0}"/>
+                <a16:creationId xmlns:a16="http://schemas.microsoft.com/office/drawing/2014/main" id="{3F0CE3D5-59F7-596F-F197-FC853548E150}"/>
               </a:ext>
             </a:extLst>
           </p:cNvPr>
@@ -1659,7 +1659,7 @@
           <p:cNvPr id="5" name="文本占位符 4">
             <a:extLst>
               <a:ext uri="{FF2B5EF4-FFF2-40B4-BE49-F238E27FC236}">
-                <a16:creationId xmlns:a16="http://schemas.microsoft.com/office/drawing/2014/main" id="{43294730-2CB1-89EA-A8A1-0E02FB9F4E1E}"/>
+                <a16:creationId xmlns:a16="http://schemas.microsoft.com/office/drawing/2014/main" id="{170EAECA-F8F1-01C6-FD0C-68B108C8084D}"/>
               </a:ext>
             </a:extLst>
           </p:cNvPr>
@@ -1730,7 +1730,7 @@
           <p:cNvPr id="6" name="内容占位符 5">
             <a:extLst>
               <a:ext uri="{FF2B5EF4-FFF2-40B4-BE49-F238E27FC236}">
-                <a16:creationId xmlns:a16="http://schemas.microsoft.com/office/drawing/2014/main" id="{CCA54DBD-F7B1-2B24-436D-A0309C3C7A26}"/>
+                <a16:creationId xmlns:a16="http://schemas.microsoft.com/office/drawing/2014/main" id="{89058257-2559-4B52-B9BC-E1087E2BE8AF}"/>
               </a:ext>
             </a:extLst>
           </p:cNvPr>
@@ -1792,7 +1792,7 @@
           <p:cNvPr id="7" name="日期占位符 6">
             <a:extLst>
               <a:ext uri="{FF2B5EF4-FFF2-40B4-BE49-F238E27FC236}">
-                <a16:creationId xmlns:a16="http://schemas.microsoft.com/office/drawing/2014/main" id="{45E9EA2F-FB57-8D4F-D9BE-0BB3D43ABDF8}"/>
+                <a16:creationId xmlns:a16="http://schemas.microsoft.com/office/drawing/2014/main" id="{218C4725-AC7B-62A0-7713-20FC184FF485}"/>
               </a:ext>
             </a:extLst>
           </p:cNvPr>
@@ -1808,7 +1808,7 @@
           <a:bodyPr/>
           <a:lstStyle/>
           <a:p>
-            <a:fld id="{489C147E-A867-4FE4-B7F5-DC48E076A316}" type="datetimeFigureOut">
+            <a:fld id="{A9CB15A1-0D83-4D5F-87CB-23C04E76FAC6}" type="datetimeFigureOut">
               <a:rPr lang="zh-CN" altLang="en-US" smtClean="0"/>
               <a:t>2024/3/10</a:t>
             </a:fld>
@@ -1821,7 +1821,7 @@
           <p:cNvPr id="8" name="页脚占位符 7">
             <a:extLst>
               <a:ext uri="{FF2B5EF4-FFF2-40B4-BE49-F238E27FC236}">
-                <a16:creationId xmlns:a16="http://schemas.microsoft.com/office/drawing/2014/main" id="{61CD614A-E878-B84E-879F-1BDD00FE10B7}"/>
+                <a16:creationId xmlns:a16="http://schemas.microsoft.com/office/drawing/2014/main" id="{7E15F3D0-00D0-4426-1932-4FCE8A029679}"/>
               </a:ext>
             </a:extLst>
           </p:cNvPr>
@@ -1846,7 +1846,7 @@
           <p:cNvPr id="9" name="灯片编号占位符 8">
             <a:extLst>
               <a:ext uri="{FF2B5EF4-FFF2-40B4-BE49-F238E27FC236}">
-                <a16:creationId xmlns:a16="http://schemas.microsoft.com/office/drawing/2014/main" id="{25ED5842-B073-9FC8-C0B8-4AFCC3350E01}"/>
+                <a16:creationId xmlns:a16="http://schemas.microsoft.com/office/drawing/2014/main" id="{74AE3A30-674B-3C3D-17CB-DACFCACFD25B}"/>
               </a:ext>
             </a:extLst>
           </p:cNvPr>
@@ -1862,7 +1862,7 @@
           <a:bodyPr/>
           <a:lstStyle/>
           <a:p>
-            <a:fld id="{37C613F8-56E1-4E33-B3F0-9768A9DDA605}" type="slidenum">
+            <a:fld id="{C53BD6E5-FF8C-4DCE-BB2F-9F8F8F5B563B}" type="slidenum">
               <a:rPr lang="zh-CN" altLang="en-US" smtClean="0"/>
               <a:t>‹#›</a:t>
             </a:fld>
@@ -1873,7 +1873,7 @@
     </p:spTree>
     <p:extLst>
       <p:ext uri="{BB962C8B-B14F-4D97-AF65-F5344CB8AC3E}">
-        <p14:creationId xmlns:p14="http://schemas.microsoft.com/office/powerpoint/2010/main" val="966116920"/>
+        <p14:creationId xmlns:p14="http://schemas.microsoft.com/office/powerpoint/2010/main" val="2682972152"/>
       </p:ext>
     </p:extLst>
   </p:cSld>
@@ -1905,7 +1905,7 @@
           <p:cNvPr id="2" name="标题 1">
             <a:extLst>
               <a:ext uri="{FF2B5EF4-FFF2-40B4-BE49-F238E27FC236}">
-                <a16:creationId xmlns:a16="http://schemas.microsoft.com/office/drawing/2014/main" id="{DBDC9CB6-AEA8-5676-DD2E-E77F51741864}"/>
+                <a16:creationId xmlns:a16="http://schemas.microsoft.com/office/drawing/2014/main" id="{43AF5D20-A3B6-6EE1-23A1-6283DCB9C4F7}"/>
               </a:ext>
             </a:extLst>
           </p:cNvPr>
@@ -1933,7 +1933,7 @@
           <p:cNvPr id="3" name="日期占位符 2">
             <a:extLst>
               <a:ext uri="{FF2B5EF4-FFF2-40B4-BE49-F238E27FC236}">
-                <a16:creationId xmlns:a16="http://schemas.microsoft.com/office/drawing/2014/main" id="{4E9E65E0-2EF6-9971-101B-BD9AEFCF270C}"/>
+                <a16:creationId xmlns:a16="http://schemas.microsoft.com/office/drawing/2014/main" id="{655E363C-70C8-2300-9746-A30BDA360E77}"/>
               </a:ext>
             </a:extLst>
           </p:cNvPr>
@@ -1949,7 +1949,7 @@
           <a:bodyPr/>
           <a:lstStyle/>
           <a:p>
-            <a:fld id="{489C147E-A867-4FE4-B7F5-DC48E076A316}" type="datetimeFigureOut">
+            <a:fld id="{A9CB15A1-0D83-4D5F-87CB-23C04E76FAC6}" type="datetimeFigureOut">
               <a:rPr lang="zh-CN" altLang="en-US" smtClean="0"/>
               <a:t>2024/3/10</a:t>
             </a:fld>
@@ -1962,7 +1962,7 @@
           <p:cNvPr id="4" name="页脚占位符 3">
             <a:extLst>
               <a:ext uri="{FF2B5EF4-FFF2-40B4-BE49-F238E27FC236}">
-                <a16:creationId xmlns:a16="http://schemas.microsoft.com/office/drawing/2014/main" id="{264D8E8D-9784-7080-479E-F2DC435ADE3F}"/>
+                <a16:creationId xmlns:a16="http://schemas.microsoft.com/office/drawing/2014/main" id="{6EA20AF0-FCBA-0C12-22B9-912BBE30AE6C}"/>
               </a:ext>
             </a:extLst>
           </p:cNvPr>
@@ -1987,7 +1987,7 @@
           <p:cNvPr id="5" name="灯片编号占位符 4">
             <a:extLst>
               <a:ext uri="{FF2B5EF4-FFF2-40B4-BE49-F238E27FC236}">
-                <a16:creationId xmlns:a16="http://schemas.microsoft.com/office/drawing/2014/main" id="{99501D11-8123-FFAE-B949-F1FB95654E40}"/>
+                <a16:creationId xmlns:a16="http://schemas.microsoft.com/office/drawing/2014/main" id="{AF740F8A-AB20-C693-25A9-C99BA65F15EC}"/>
               </a:ext>
             </a:extLst>
           </p:cNvPr>
@@ -2003,7 +2003,7 @@
           <a:bodyPr/>
           <a:lstStyle/>
           <a:p>
-            <a:fld id="{37C613F8-56E1-4E33-B3F0-9768A9DDA605}" type="slidenum">
+            <a:fld id="{C53BD6E5-FF8C-4DCE-BB2F-9F8F8F5B563B}" type="slidenum">
               <a:rPr lang="zh-CN" altLang="en-US" smtClean="0"/>
               <a:t>‹#›</a:t>
             </a:fld>
@@ -2014,7 +2014,7 @@
     </p:spTree>
     <p:extLst>
       <p:ext uri="{BB962C8B-B14F-4D97-AF65-F5344CB8AC3E}">
-        <p14:creationId xmlns:p14="http://schemas.microsoft.com/office/powerpoint/2010/main" val="13058004"/>
+        <p14:creationId xmlns:p14="http://schemas.microsoft.com/office/powerpoint/2010/main" val="1395078443"/>
       </p:ext>
     </p:extLst>
   </p:cSld>
@@ -2046,7 +2046,7 @@
           <p:cNvPr id="2" name="日期占位符 1">
             <a:extLst>
               <a:ext uri="{FF2B5EF4-FFF2-40B4-BE49-F238E27FC236}">
-                <a16:creationId xmlns:a16="http://schemas.microsoft.com/office/drawing/2014/main" id="{E133A1B5-6BF3-1637-16E6-4A632CF8C724}"/>
+                <a16:creationId xmlns:a16="http://schemas.microsoft.com/office/drawing/2014/main" id="{7D3FF26C-405E-DAF7-70CF-E8543C7748CF}"/>
               </a:ext>
             </a:extLst>
           </p:cNvPr>
@@ -2062,7 +2062,7 @@
           <a:bodyPr/>
           <a:lstStyle/>
           <a:p>
-            <a:fld id="{489C147E-A867-4FE4-B7F5-DC48E076A316}" type="datetimeFigureOut">
+            <a:fld id="{A9CB15A1-0D83-4D5F-87CB-23C04E76FAC6}" type="datetimeFigureOut">
               <a:rPr lang="zh-CN" altLang="en-US" smtClean="0"/>
               <a:t>2024/3/10</a:t>
             </a:fld>
@@ -2075,7 +2075,7 @@
           <p:cNvPr id="3" name="页脚占位符 2">
             <a:extLst>
               <a:ext uri="{FF2B5EF4-FFF2-40B4-BE49-F238E27FC236}">
-                <a16:creationId xmlns:a16="http://schemas.microsoft.com/office/drawing/2014/main" id="{7B4DD232-2919-32FB-9C93-393027D94C80}"/>
+                <a16:creationId xmlns:a16="http://schemas.microsoft.com/office/drawing/2014/main" id="{AFB931AD-9C14-04A2-8830-4A5E2F74FE0B}"/>
               </a:ext>
             </a:extLst>
           </p:cNvPr>
@@ -2100,7 +2100,7 @@
           <p:cNvPr id="4" name="灯片编号占位符 3">
             <a:extLst>
               <a:ext uri="{FF2B5EF4-FFF2-40B4-BE49-F238E27FC236}">
-                <a16:creationId xmlns:a16="http://schemas.microsoft.com/office/drawing/2014/main" id="{8EF9B508-85CC-065D-960B-30A5073FCFBD}"/>
+                <a16:creationId xmlns:a16="http://schemas.microsoft.com/office/drawing/2014/main" id="{90A78023-6263-1909-8363-21067C2A8BB7}"/>
               </a:ext>
             </a:extLst>
           </p:cNvPr>
@@ -2116,7 +2116,7 @@
           <a:bodyPr/>
           <a:lstStyle/>
           <a:p>
-            <a:fld id="{37C613F8-56E1-4E33-B3F0-9768A9DDA605}" type="slidenum">
+            <a:fld id="{C53BD6E5-FF8C-4DCE-BB2F-9F8F8F5B563B}" type="slidenum">
               <a:rPr lang="zh-CN" altLang="en-US" smtClean="0"/>
               <a:t>‹#›</a:t>
             </a:fld>
@@ -2127,7 +2127,7 @@
     </p:spTree>
     <p:extLst>
       <p:ext uri="{BB962C8B-B14F-4D97-AF65-F5344CB8AC3E}">
-        <p14:creationId xmlns:p14="http://schemas.microsoft.com/office/powerpoint/2010/main" val="78339090"/>
+        <p14:creationId xmlns:p14="http://schemas.microsoft.com/office/powerpoint/2010/main" val="2680692863"/>
       </p:ext>
     </p:extLst>
   </p:cSld>
@@ -2159,7 +2159,7 @@
           <p:cNvPr id="2" name="标题 1">
             <a:extLst>
               <a:ext uri="{FF2B5EF4-FFF2-40B4-BE49-F238E27FC236}">
-                <a16:creationId xmlns:a16="http://schemas.microsoft.com/office/drawing/2014/main" id="{999AABDA-A333-F6FB-4FBA-ECE6B15F0177}"/>
+                <a16:creationId xmlns:a16="http://schemas.microsoft.com/office/drawing/2014/main" id="{6D55169B-F184-CC8E-AAB0-90BE99893344}"/>
               </a:ext>
             </a:extLst>
           </p:cNvPr>
@@ -2196,7 +2196,7 @@
           <p:cNvPr id="3" name="内容占位符 2">
             <a:extLst>
               <a:ext uri="{FF2B5EF4-FFF2-40B4-BE49-F238E27FC236}">
-                <a16:creationId xmlns:a16="http://schemas.microsoft.com/office/drawing/2014/main" id="{73E07F77-3CAB-E95F-69BD-6EE0F6157AD6}"/>
+                <a16:creationId xmlns:a16="http://schemas.microsoft.com/office/drawing/2014/main" id="{61A3FD61-B3F6-3D6F-4CBA-2D63B1896D2A}"/>
               </a:ext>
             </a:extLst>
           </p:cNvPr>
@@ -2286,7 +2286,7 @@
           <p:cNvPr id="4" name="文本占位符 3">
             <a:extLst>
               <a:ext uri="{FF2B5EF4-FFF2-40B4-BE49-F238E27FC236}">
-                <a16:creationId xmlns:a16="http://schemas.microsoft.com/office/drawing/2014/main" id="{7B546EA8-E5B8-0D10-8819-35315FFDF874}"/>
+                <a16:creationId xmlns:a16="http://schemas.microsoft.com/office/drawing/2014/main" id="{A2577617-3F8C-1EFB-2F70-534B4CF35F63}"/>
               </a:ext>
             </a:extLst>
           </p:cNvPr>
@@ -2357,7 +2357,7 @@
           <p:cNvPr id="5" name="日期占位符 4">
             <a:extLst>
               <a:ext uri="{FF2B5EF4-FFF2-40B4-BE49-F238E27FC236}">
-                <a16:creationId xmlns:a16="http://schemas.microsoft.com/office/drawing/2014/main" id="{963524AB-BB8A-458B-47D3-EBC8FAC46638}"/>
+                <a16:creationId xmlns:a16="http://schemas.microsoft.com/office/drawing/2014/main" id="{19C48445-BBD6-3B7B-85CE-37D4DC38A38A}"/>
               </a:ext>
             </a:extLst>
           </p:cNvPr>
@@ -2373,7 +2373,7 @@
           <a:bodyPr/>
           <a:lstStyle/>
           <a:p>
-            <a:fld id="{489C147E-A867-4FE4-B7F5-DC48E076A316}" type="datetimeFigureOut">
+            <a:fld id="{A9CB15A1-0D83-4D5F-87CB-23C04E76FAC6}" type="datetimeFigureOut">
               <a:rPr lang="zh-CN" altLang="en-US" smtClean="0"/>
               <a:t>2024/3/10</a:t>
             </a:fld>
@@ -2386,7 +2386,7 @@
           <p:cNvPr id="6" name="页脚占位符 5">
             <a:extLst>
               <a:ext uri="{FF2B5EF4-FFF2-40B4-BE49-F238E27FC236}">
-                <a16:creationId xmlns:a16="http://schemas.microsoft.com/office/drawing/2014/main" id="{78935866-7458-0D3C-BB09-A11746B99DFF}"/>
+                <a16:creationId xmlns:a16="http://schemas.microsoft.com/office/drawing/2014/main" id="{D3EB0113-5DB3-D10E-1FB6-52FD333337DA}"/>
               </a:ext>
             </a:extLst>
           </p:cNvPr>
@@ -2411,7 +2411,7 @@
           <p:cNvPr id="7" name="灯片编号占位符 6">
             <a:extLst>
               <a:ext uri="{FF2B5EF4-FFF2-40B4-BE49-F238E27FC236}">
-                <a16:creationId xmlns:a16="http://schemas.microsoft.com/office/drawing/2014/main" id="{A4D7EF43-60CF-11B7-DAEB-97410B6BC339}"/>
+                <a16:creationId xmlns:a16="http://schemas.microsoft.com/office/drawing/2014/main" id="{1A3C08A2-7819-BD3C-2390-3F2B89D75883}"/>
               </a:ext>
             </a:extLst>
           </p:cNvPr>
@@ -2427,7 +2427,7 @@
           <a:bodyPr/>
           <a:lstStyle/>
           <a:p>
-            <a:fld id="{37C613F8-56E1-4E33-B3F0-9768A9DDA605}" type="slidenum">
+            <a:fld id="{C53BD6E5-FF8C-4DCE-BB2F-9F8F8F5B563B}" type="slidenum">
               <a:rPr lang="zh-CN" altLang="en-US" smtClean="0"/>
               <a:t>‹#›</a:t>
             </a:fld>
@@ -2438,7 +2438,7 @@
     </p:spTree>
     <p:extLst>
       <p:ext uri="{BB962C8B-B14F-4D97-AF65-F5344CB8AC3E}">
-        <p14:creationId xmlns:p14="http://schemas.microsoft.com/office/powerpoint/2010/main" val="3654367103"/>
+        <p14:creationId xmlns:p14="http://schemas.microsoft.com/office/powerpoint/2010/main" val="213674112"/>
       </p:ext>
     </p:extLst>
   </p:cSld>
@@ -2470,7 +2470,7 @@
           <p:cNvPr id="2" name="标题 1">
             <a:extLst>
               <a:ext uri="{FF2B5EF4-FFF2-40B4-BE49-F238E27FC236}">
-                <a16:creationId xmlns:a16="http://schemas.microsoft.com/office/drawing/2014/main" id="{9985F78E-FAF9-48D1-1978-DF5F83F3F0CC}"/>
+                <a16:creationId xmlns:a16="http://schemas.microsoft.com/office/drawing/2014/main" id="{746D27F4-65F7-BFA8-4FA4-3AC6A4272A21}"/>
               </a:ext>
             </a:extLst>
           </p:cNvPr>
@@ -2507,7 +2507,7 @@
           <p:cNvPr id="3" name="图片占位符 2">
             <a:extLst>
               <a:ext uri="{FF2B5EF4-FFF2-40B4-BE49-F238E27FC236}">
-                <a16:creationId xmlns:a16="http://schemas.microsoft.com/office/drawing/2014/main" id="{B70DE42A-E96B-3760-24C1-EC4D78A13356}"/>
+                <a16:creationId xmlns:a16="http://schemas.microsoft.com/office/drawing/2014/main" id="{04A4A69C-600C-38AA-3D85-C74E13889CFC}"/>
               </a:ext>
             </a:extLst>
           </p:cNvPr>
@@ -2574,7 +2574,7 @@
           <p:cNvPr id="4" name="文本占位符 3">
             <a:extLst>
               <a:ext uri="{FF2B5EF4-FFF2-40B4-BE49-F238E27FC236}">
-                <a16:creationId xmlns:a16="http://schemas.microsoft.com/office/drawing/2014/main" id="{FF99C351-56FE-0FB6-43C9-EF6EE150E2BD}"/>
+                <a16:creationId xmlns:a16="http://schemas.microsoft.com/office/drawing/2014/main" id="{F74D3FC7-D257-4F14-575F-C701C57A9004}"/>
               </a:ext>
             </a:extLst>
           </p:cNvPr>
@@ -2645,7 +2645,7 @@
           <p:cNvPr id="5" name="日期占位符 4">
             <a:extLst>
               <a:ext uri="{FF2B5EF4-FFF2-40B4-BE49-F238E27FC236}">
-                <a16:creationId xmlns:a16="http://schemas.microsoft.com/office/drawing/2014/main" id="{3EE8DAE5-6810-502D-1A28-83EE914FDE18}"/>
+                <a16:creationId xmlns:a16="http://schemas.microsoft.com/office/drawing/2014/main" id="{56FAB7CC-F1CB-9D6C-66F9-597555B005E7}"/>
               </a:ext>
             </a:extLst>
           </p:cNvPr>
@@ -2661,7 +2661,7 @@
           <a:bodyPr/>
           <a:lstStyle/>
           <a:p>
-            <a:fld id="{489C147E-A867-4FE4-B7F5-DC48E076A316}" type="datetimeFigureOut">
+            <a:fld id="{A9CB15A1-0D83-4D5F-87CB-23C04E76FAC6}" type="datetimeFigureOut">
               <a:rPr lang="zh-CN" altLang="en-US" smtClean="0"/>
               <a:t>2024/3/10</a:t>
             </a:fld>
@@ -2674,7 +2674,7 @@
           <p:cNvPr id="6" name="页脚占位符 5">
             <a:extLst>
               <a:ext uri="{FF2B5EF4-FFF2-40B4-BE49-F238E27FC236}">
-                <a16:creationId xmlns:a16="http://schemas.microsoft.com/office/drawing/2014/main" id="{7D2470DE-61E9-51A9-8F03-06F6CC5DC71F}"/>
+                <a16:creationId xmlns:a16="http://schemas.microsoft.com/office/drawing/2014/main" id="{398CB228-787D-CCE0-3805-6BC73A6E14B0}"/>
               </a:ext>
             </a:extLst>
           </p:cNvPr>
@@ -2699,7 +2699,7 @@
           <p:cNvPr id="7" name="灯片编号占位符 6">
             <a:extLst>
               <a:ext uri="{FF2B5EF4-FFF2-40B4-BE49-F238E27FC236}">
-                <a16:creationId xmlns:a16="http://schemas.microsoft.com/office/drawing/2014/main" id="{2443C09B-17C5-062D-B0DD-CB1BC0843767}"/>
+                <a16:creationId xmlns:a16="http://schemas.microsoft.com/office/drawing/2014/main" id="{90F245A4-B408-50A3-6FAB-0C9BEEC906AE}"/>
               </a:ext>
             </a:extLst>
           </p:cNvPr>
@@ -2715,7 +2715,7 @@
           <a:bodyPr/>
           <a:lstStyle/>
           <a:p>
-            <a:fld id="{37C613F8-56E1-4E33-B3F0-9768A9DDA605}" type="slidenum">
+            <a:fld id="{C53BD6E5-FF8C-4DCE-BB2F-9F8F8F5B563B}" type="slidenum">
               <a:rPr lang="zh-CN" altLang="en-US" smtClean="0"/>
               <a:t>‹#›</a:t>
             </a:fld>
@@ -2726,7 +2726,7 @@
     </p:spTree>
     <p:extLst>
       <p:ext uri="{BB962C8B-B14F-4D97-AF65-F5344CB8AC3E}">
-        <p14:creationId xmlns:p14="http://schemas.microsoft.com/office/powerpoint/2010/main" val="4278163456"/>
+        <p14:creationId xmlns:p14="http://schemas.microsoft.com/office/powerpoint/2010/main" val="3345100534"/>
       </p:ext>
     </p:extLst>
   </p:cSld>
@@ -2763,7 +2763,7 @@
           <p:cNvPr id="2" name="标题占位符 1">
             <a:extLst>
               <a:ext uri="{FF2B5EF4-FFF2-40B4-BE49-F238E27FC236}">
-                <a16:creationId xmlns:a16="http://schemas.microsoft.com/office/drawing/2014/main" id="{F07AB012-F6AD-2AFB-C36F-4CC838A71DB3}"/>
+                <a16:creationId xmlns:a16="http://schemas.microsoft.com/office/drawing/2014/main" id="{D9252966-92D5-E3B4-2CD0-86B518186A6C}"/>
               </a:ext>
             </a:extLst>
           </p:cNvPr>
@@ -2801,7 +2801,7 @@
           <p:cNvPr id="3" name="文本占位符 2">
             <a:extLst>
               <a:ext uri="{FF2B5EF4-FFF2-40B4-BE49-F238E27FC236}">
-                <a16:creationId xmlns:a16="http://schemas.microsoft.com/office/drawing/2014/main" id="{26ADE59D-8129-25C5-A6F1-EF85694E8C88}"/>
+                <a16:creationId xmlns:a16="http://schemas.microsoft.com/office/drawing/2014/main" id="{E73573B5-F64B-E73C-6E68-7387437B057B}"/>
               </a:ext>
             </a:extLst>
           </p:cNvPr>
@@ -2868,7 +2868,7 @@
           <p:cNvPr id="4" name="日期占位符 3">
             <a:extLst>
               <a:ext uri="{FF2B5EF4-FFF2-40B4-BE49-F238E27FC236}">
-                <a16:creationId xmlns:a16="http://schemas.microsoft.com/office/drawing/2014/main" id="{FC328CC7-AD6E-0B46-9ED0-E7A906428CB0}"/>
+                <a16:creationId xmlns:a16="http://schemas.microsoft.com/office/drawing/2014/main" id="{D087B170-199C-2E11-E31B-3B29527DCC3D}"/>
               </a:ext>
             </a:extLst>
           </p:cNvPr>
@@ -2902,7 +2902,7 @@
             </a:lvl1pPr>
           </a:lstStyle>
           <a:p>
-            <a:fld id="{489C147E-A867-4FE4-B7F5-DC48E076A316}" type="datetimeFigureOut">
+            <a:fld id="{A9CB15A1-0D83-4D5F-87CB-23C04E76FAC6}" type="datetimeFigureOut">
               <a:rPr lang="zh-CN" altLang="en-US" smtClean="0"/>
               <a:t>2024/3/10</a:t>
             </a:fld>
@@ -2915,7 +2915,7 @@
           <p:cNvPr id="5" name="页脚占位符 4">
             <a:extLst>
               <a:ext uri="{FF2B5EF4-FFF2-40B4-BE49-F238E27FC236}">
-                <a16:creationId xmlns:a16="http://schemas.microsoft.com/office/drawing/2014/main" id="{C0C351F9-9FDF-1C13-5473-0A8B531C1338}"/>
+                <a16:creationId xmlns:a16="http://schemas.microsoft.com/office/drawing/2014/main" id="{54FB3054-6273-33F4-D597-0797F04835CD}"/>
               </a:ext>
             </a:extLst>
           </p:cNvPr>
@@ -2958,7 +2958,7 @@
           <p:cNvPr id="6" name="灯片编号占位符 5">
             <a:extLst>
               <a:ext uri="{FF2B5EF4-FFF2-40B4-BE49-F238E27FC236}">
-                <a16:creationId xmlns:a16="http://schemas.microsoft.com/office/drawing/2014/main" id="{7647DAC7-5A8A-50BB-C44A-FD82836D2B6F}"/>
+                <a16:creationId xmlns:a16="http://schemas.microsoft.com/office/drawing/2014/main" id="{0B4C7546-3311-8832-DCE7-CA724075FCB2}"/>
               </a:ext>
             </a:extLst>
           </p:cNvPr>
@@ -2992,7 +2992,7 @@
             </a:lvl1pPr>
           </a:lstStyle>
           <a:p>
-            <a:fld id="{37C613F8-56E1-4E33-B3F0-9768A9DDA605}" type="slidenum">
+            <a:fld id="{C53BD6E5-FF8C-4DCE-BB2F-9F8F8F5B563B}" type="slidenum">
               <a:rPr lang="zh-CN" altLang="en-US" smtClean="0"/>
               <a:t>‹#›</a:t>
             </a:fld>
@@ -3003,7 +3003,7 @@
     </p:spTree>
     <p:extLst>
       <p:ext uri="{BB962C8B-B14F-4D97-AF65-F5344CB8AC3E}">
-        <p14:creationId xmlns:p14="http://schemas.microsoft.com/office/powerpoint/2010/main" val="3628140618"/>
+        <p14:creationId xmlns:p14="http://schemas.microsoft.com/office/powerpoint/2010/main" val="2138600128"/>
       </p:ext>
     </p:extLst>
   </p:cSld>
@@ -3323,7 +3323,7 @@
       </p:grpSpPr>
       <p:pic>
         <p:nvPicPr>
-          <p:cNvPr id="561154" name="Picture 2" descr="547"/>
+          <p:cNvPr id="562178" name="Picture 2" descr="548"/>
           <p:cNvPicPr>
             <a:picLocks noChangeAspect="1" noChangeArrowheads="1"/>
           </p:cNvPicPr>
@@ -3344,8 +3344,8 @@
         </p:blipFill>
         <p:spPr bwMode="auto">
           <a:xfrm>
-            <a:off x="1524000" y="0"/>
-            <a:ext cx="9144000" cy="6858000"/>
+            <a:off x="1524000" y="1"/>
+            <a:ext cx="9144000" cy="5876925"/>
           </a:xfrm>
           <a:prstGeom prst="rect">
             <a:avLst/>
@@ -3375,158 +3375,11 @@
           </a:extLst>
         </p:spPr>
       </p:pic>
-      <p:pic>
-        <p:nvPicPr>
-          <p:cNvPr id="562179" name="Picture 3" descr="547-2"/>
-          <p:cNvPicPr>
-            <a:picLocks noChangeAspect="1" noChangeArrowheads="1"/>
-          </p:cNvPicPr>
-          <p:nvPr/>
-        </p:nvPicPr>
-        <p:blipFill>
-          <a:blip r:embed="rId3">
-            <a:extLst>
-              <a:ext uri="{28A0092B-C50C-407E-A947-70E740481C1C}">
-                <a14:useLocalDpi xmlns:a14="http://schemas.microsoft.com/office/drawing/2010/main" val="0"/>
-              </a:ext>
-            </a:extLst>
-          </a:blip>
-          <a:srcRect/>
-          <a:stretch>
-            <a:fillRect/>
-          </a:stretch>
-        </p:blipFill>
-        <p:spPr bwMode="auto">
-          <a:xfrm>
-            <a:off x="1524000" y="0"/>
-            <a:ext cx="9144000" cy="6858000"/>
-          </a:xfrm>
-          <a:prstGeom prst="rect">
-            <a:avLst/>
-          </a:prstGeom>
-          <a:noFill/>
-          <a:ln>
-            <a:noFill/>
-          </a:ln>
-          <a:effectLst/>
-          <a:extLst>
-            <a:ext uri="{909E8E84-426E-40DD-AFC4-6F175D3DCCD1}">
-              <a14:hiddenFill xmlns:a14="http://schemas.microsoft.com/office/drawing/2010/main">
-                <a:solidFill>
-                  <a:srgbClr val="FFFFFF"/>
-                </a:solidFill>
-              </a14:hiddenFill>
-            </a:ext>
-            <a:ext uri="{91240B29-F687-4F45-9708-019B960494DF}">
-              <a14:hiddenLine xmlns:a14="http://schemas.microsoft.com/office/drawing/2010/main" w="9525">
-                <a:solidFill>
-                  <a:srgbClr val="000000"/>
-                </a:solidFill>
-                <a:miter lim="800000"/>
-                <a:headEnd/>
-                <a:tailEnd/>
-              </a14:hiddenLine>
-            </a:ext>
-            <a:ext uri="{AF507438-7753-43E0-B8FC-AC1667EBCBE1}">
-              <a14:hiddenEffects xmlns:a14="http://schemas.microsoft.com/office/drawing/2010/main">
-                <a:effectLst>
-                  <a:outerShdw dist="35921" dir="2700000" algn="ctr" rotWithShape="0">
-                    <a:srgbClr val="808080"/>
-                  </a:outerShdw>
-                </a:effectLst>
-              </a14:hiddenEffects>
-            </a:ext>
-          </a:extLst>
-        </p:spPr>
-      </p:pic>
     </p:spTree>
   </p:cSld>
   <p:clrMapOvr>
     <a:masterClrMapping/>
   </p:clrMapOvr>
-  <p:timing>
-    <p:tnLst>
-      <p:par>
-        <p:cTn id="1" dur="indefinite" restart="never" nodeType="tmRoot">
-          <p:childTnLst>
-            <p:seq concurrent="1" nextAc="seek">
-              <p:cTn id="2" dur="indefinite" nodeType="mainSeq">
-                <p:childTnLst>
-                  <p:par>
-                    <p:cTn id="3" fill="hold" nodeType="clickPar">
-                      <p:stCondLst>
-                        <p:cond delay="indefinite"/>
-                      </p:stCondLst>
-                      <p:childTnLst>
-                        <p:par>
-                          <p:cTn id="4" fill="hold" nodeType="withGroup">
-                            <p:stCondLst>
-                              <p:cond delay="0"/>
-                            </p:stCondLst>
-                            <p:childTnLst>
-                              <p:par>
-                                <p:cTn id="5" presetID="10" presetClass="entr" presetSubtype="0" fill="hold" nodeType="clickEffect">
-                                  <p:stCondLst>
-                                    <p:cond delay="0"/>
-                                  </p:stCondLst>
-                                  <p:childTnLst>
-                                    <p:set>
-                                      <p:cBhvr>
-                                        <p:cTn id="6" dur="1" fill="hold">
-                                          <p:stCondLst>
-                                            <p:cond delay="0"/>
-                                          </p:stCondLst>
-                                        </p:cTn>
-                                        <p:tgtEl>
-                                          <p:spTgt spid="562179"/>
-                                        </p:tgtEl>
-                                        <p:attrNameLst>
-                                          <p:attrName>style.visibility</p:attrName>
-                                        </p:attrNameLst>
-                                      </p:cBhvr>
-                                      <p:to>
-                                        <p:strVal val="visible"/>
-                                      </p:to>
-                                    </p:set>
-                                    <p:animEffect transition="in" filter="fade">
-                                      <p:cBhvr>
-                                        <p:cTn id="7" dur="500"/>
-                                        <p:tgtEl>
-                                          <p:spTgt spid="562179"/>
-                                        </p:tgtEl>
-                                      </p:cBhvr>
-                                    </p:animEffect>
-                                  </p:childTnLst>
-                                </p:cTn>
-                              </p:par>
-                            </p:childTnLst>
-                          </p:cTn>
-                        </p:par>
-                      </p:childTnLst>
-                    </p:cTn>
-                  </p:par>
-                </p:childTnLst>
-              </p:cTn>
-              <p:prevCondLst>
-                <p:cond evt="onPrev" delay="0">
-                  <p:tgtEl>
-                    <p:sldTgt/>
-                  </p:tgtEl>
-                </p:cond>
-              </p:prevCondLst>
-              <p:nextCondLst>
-                <p:cond evt="onNext" delay="0">
-                  <p:tgtEl>
-                    <p:sldTgt/>
-                  </p:tgtEl>
-                </p:cond>
-              </p:nextCondLst>
-            </p:seq>
-          </p:childTnLst>
-        </p:cTn>
-      </p:par>
-    </p:tnLst>
-  </p:timing>
 </p:sld>
 </file>
 
